--- a/02.Measurement.pptx
+++ b/02.Measurement.pptx
@@ -5,7 +5,7 @@
     <p:sldMasterId id="2147483648" r:id="rId1"/>
   </p:sldMasterIdLst>
   <p:notesMasterIdLst>
-    <p:notesMasterId r:id="rId35"/>
+    <p:notesMasterId r:id="rId36"/>
   </p:notesMasterIdLst>
   <p:sldIdLst>
     <p:sldId id="281" r:id="rId2"/>
@@ -26,21 +26,22 @@
     <p:sldId id="285" r:id="rId17"/>
     <p:sldId id="264" r:id="rId18"/>
     <p:sldId id="287" r:id="rId19"/>
-    <p:sldId id="265" r:id="rId20"/>
-    <p:sldId id="266" r:id="rId21"/>
-    <p:sldId id="286" r:id="rId22"/>
-    <p:sldId id="267" r:id="rId23"/>
-    <p:sldId id="268" r:id="rId24"/>
-    <p:sldId id="269" r:id="rId25"/>
-    <p:sldId id="270" r:id="rId26"/>
-    <p:sldId id="271" r:id="rId27"/>
-    <p:sldId id="272" r:id="rId28"/>
-    <p:sldId id="273" r:id="rId29"/>
-    <p:sldId id="274" r:id="rId30"/>
-    <p:sldId id="275" r:id="rId31"/>
-    <p:sldId id="276" r:id="rId32"/>
-    <p:sldId id="277" r:id="rId33"/>
-    <p:sldId id="278" r:id="rId34"/>
+    <p:sldId id="290" r:id="rId20"/>
+    <p:sldId id="265" r:id="rId21"/>
+    <p:sldId id="266" r:id="rId22"/>
+    <p:sldId id="286" r:id="rId23"/>
+    <p:sldId id="267" r:id="rId24"/>
+    <p:sldId id="268" r:id="rId25"/>
+    <p:sldId id="269" r:id="rId26"/>
+    <p:sldId id="270" r:id="rId27"/>
+    <p:sldId id="271" r:id="rId28"/>
+    <p:sldId id="272" r:id="rId29"/>
+    <p:sldId id="273" r:id="rId30"/>
+    <p:sldId id="274" r:id="rId31"/>
+    <p:sldId id="275" r:id="rId32"/>
+    <p:sldId id="276" r:id="rId33"/>
+    <p:sldId id="277" r:id="rId34"/>
+    <p:sldId id="278" r:id="rId35"/>
   </p:sldIdLst>
   <p:sldSz cx="9144000" cy="6858000" type="screen4x3"/>
   <p:notesSz cx="6858000" cy="9144000"/>
@@ -241,7 +242,7 @@
             <a:fld id="{F77C720F-6D26-4EF3-A733-A3E788B9B3E0}" type="datetimeFigureOut">
               <a:rPr lang="en-US" smtClean="0"/>
               <a:pPr/>
-              <a:t>2021-03-16</a:t>
+              <a:t>2022-03-15</a:t>
             </a:fld>
             <a:endParaRPr lang="en-US"/>
           </a:p>
@@ -662,7 +663,7 @@
             <a:fld id="{0247245A-92A6-4BB8-8DA4-986DD23085C1}" type="slidenum">
               <a:rPr lang="en-US" smtClean="0"/>
               <a:pPr/>
-              <a:t>21</a:t>
+              <a:t>22</a:t>
             </a:fld>
             <a:endParaRPr lang="en-US"/>
           </a:p>
@@ -754,7 +755,7 @@
             <a:fld id="{0247245A-92A6-4BB8-8DA4-986DD23085C1}" type="slidenum">
               <a:rPr lang="en-US" smtClean="0"/>
               <a:pPr/>
-              <a:t>33</a:t>
+              <a:t>34</a:t>
             </a:fld>
             <a:endParaRPr lang="en-US"/>
           </a:p>
@@ -953,7 +954,7 @@
             <a:fld id="{8E10E1CB-8B85-4458-9780-7A98876A3CDB}" type="datetimeFigureOut">
               <a:rPr lang="en-US" smtClean="0"/>
               <a:pPr/>
-              <a:t>2021-03-16</a:t>
+              <a:t>2022-03-15</a:t>
             </a:fld>
             <a:endParaRPr lang="en-US"/>
           </a:p>
@@ -1118,7 +1119,7 @@
             <a:fld id="{8E10E1CB-8B85-4458-9780-7A98876A3CDB}" type="datetimeFigureOut">
               <a:rPr lang="en-US" smtClean="0"/>
               <a:pPr/>
-              <a:t>2021-03-16</a:t>
+              <a:t>2022-03-15</a:t>
             </a:fld>
             <a:endParaRPr lang="en-US"/>
           </a:p>
@@ -1293,7 +1294,7 @@
             <a:fld id="{8E10E1CB-8B85-4458-9780-7A98876A3CDB}" type="datetimeFigureOut">
               <a:rPr lang="en-US" smtClean="0"/>
               <a:pPr/>
-              <a:t>2021-03-16</a:t>
+              <a:t>2022-03-15</a:t>
             </a:fld>
             <a:endParaRPr lang="en-US"/>
           </a:p>
@@ -1458,7 +1459,7 @@
             <a:fld id="{8E10E1CB-8B85-4458-9780-7A98876A3CDB}" type="datetimeFigureOut">
               <a:rPr lang="en-US" smtClean="0"/>
               <a:pPr/>
-              <a:t>2021-03-16</a:t>
+              <a:t>2022-03-15</a:t>
             </a:fld>
             <a:endParaRPr lang="en-US"/>
           </a:p>
@@ -1700,7 +1701,7 @@
             <a:fld id="{8E10E1CB-8B85-4458-9780-7A98876A3CDB}" type="datetimeFigureOut">
               <a:rPr lang="en-US" smtClean="0"/>
               <a:pPr/>
-              <a:t>2021-03-16</a:t>
+              <a:t>2022-03-15</a:t>
             </a:fld>
             <a:endParaRPr lang="en-US"/>
           </a:p>
@@ -1982,7 +1983,7 @@
             <a:fld id="{8E10E1CB-8B85-4458-9780-7A98876A3CDB}" type="datetimeFigureOut">
               <a:rPr lang="en-US" smtClean="0"/>
               <a:pPr/>
-              <a:t>2021-03-16</a:t>
+              <a:t>2022-03-15</a:t>
             </a:fld>
             <a:endParaRPr lang="en-US"/>
           </a:p>
@@ -2398,7 +2399,7 @@
             <a:fld id="{8E10E1CB-8B85-4458-9780-7A98876A3CDB}" type="datetimeFigureOut">
               <a:rPr lang="en-US" smtClean="0"/>
               <a:pPr/>
-              <a:t>2021-03-16</a:t>
+              <a:t>2022-03-15</a:t>
             </a:fld>
             <a:endParaRPr lang="en-US"/>
           </a:p>
@@ -2512,7 +2513,7 @@
             <a:fld id="{8E10E1CB-8B85-4458-9780-7A98876A3CDB}" type="datetimeFigureOut">
               <a:rPr lang="en-US" smtClean="0"/>
               <a:pPr/>
-              <a:t>2021-03-16</a:t>
+              <a:t>2022-03-15</a:t>
             </a:fld>
             <a:endParaRPr lang="en-US"/>
           </a:p>
@@ -2604,7 +2605,7 @@
             <a:fld id="{8E10E1CB-8B85-4458-9780-7A98876A3CDB}" type="datetimeFigureOut">
               <a:rPr lang="en-US" smtClean="0"/>
               <a:pPr/>
-              <a:t>2021-03-16</a:t>
+              <a:t>2022-03-15</a:t>
             </a:fld>
             <a:endParaRPr lang="en-US"/>
           </a:p>
@@ -2876,7 +2877,7 @@
             <a:fld id="{8E10E1CB-8B85-4458-9780-7A98876A3CDB}" type="datetimeFigureOut">
               <a:rPr lang="en-US" smtClean="0"/>
               <a:pPr/>
-              <a:t>2021-03-16</a:t>
+              <a:t>2022-03-15</a:t>
             </a:fld>
             <a:endParaRPr lang="en-US"/>
           </a:p>
@@ -3125,7 +3126,7 @@
             <a:fld id="{8E10E1CB-8B85-4458-9780-7A98876A3CDB}" type="datetimeFigureOut">
               <a:rPr lang="en-US" smtClean="0"/>
               <a:pPr/>
-              <a:t>2021-03-16</a:t>
+              <a:t>2022-03-15</a:t>
             </a:fld>
             <a:endParaRPr lang="en-US"/>
           </a:p>
@@ -3333,7 +3334,7 @@
             <a:fld id="{8E10E1CB-8B85-4458-9780-7A98876A3CDB}" type="datetimeFigureOut">
               <a:rPr lang="en-US" smtClean="0"/>
               <a:pPr/>
-              <a:t>2021-03-16</a:t>
+              <a:t>2022-03-15</a:t>
             </a:fld>
             <a:endParaRPr lang="en-US"/>
           </a:p>
@@ -3717,13 +3718,27 @@
         <p:spPr/>
         <p:txBody>
           <a:bodyPr>
-            <a:normAutofit/>
+            <a:normAutofit fontScale="90000"/>
           </a:bodyPr>
           <a:lstStyle/>
           <a:p>
             <a:r>
               <a:rPr lang="en-US" dirty="0"/>
-              <a:t>Measurement, Inspection and Testing</a:t>
+              <a:t>Measurement,</a:t>
+            </a:r>
+            <a:br>
+              <a:rPr lang="en-US" dirty="0"/>
+            </a:br>
+            <a:r>
+              <a:rPr lang="en-US" dirty="0"/>
+              <a:t>Inspection,</a:t>
+            </a:r>
+            <a:br>
+              <a:rPr lang="en-US" dirty="0"/>
+            </a:br>
+            <a:r>
+              <a:rPr lang="en-US" dirty="0"/>
+              <a:t>and Testing</a:t>
             </a:r>
           </a:p>
         </p:txBody>
@@ -4456,52 +4471,462 @@
           <a:chExt cx="0" cy="0"/>
         </a:xfrm>
       </p:grpSpPr>
-      <p:sp>
-        <p:nvSpPr>
-          <p:cNvPr id="2" name="Title 1"/>
-          <p:cNvSpPr>
-            <a:spLocks noGrp="1"/>
-          </p:cNvSpPr>
-          <p:nvPr>
-            <p:ph type="title"/>
-          </p:nvPr>
-        </p:nvSpPr>
-        <p:spPr/>
-        <p:txBody>
-          <a:bodyPr/>
-          <a:lstStyle/>
-          <a:p>
-            <a:r>
-              <a:rPr lang="en-US" dirty="0"/>
-              <a:t>Toolmaker’s Microscope</a:t>
-            </a:r>
-          </a:p>
-        </p:txBody>
-      </p:sp>
       <p:pic>
         <p:nvPicPr>
-          <p:cNvPr id="4" name="Content Placeholder 3" descr="Fig 10-22 Toolmakers microscope.jpg"/>
+          <p:cNvPr id="3" name="Picture 2" descr="Chart, line chart&#10;&#10;Description automatically generated">
+            <a:extLst>
+              <a:ext uri="{FF2B5EF4-FFF2-40B4-BE49-F238E27FC236}">
+                <a16:creationId xmlns:a16="http://schemas.microsoft.com/office/drawing/2014/main" id="{49852A0E-1CFC-41C1-B79F-9027FC0CDEC4}"/>
+              </a:ext>
+            </a:extLst>
+          </p:cNvPr>
           <p:cNvPicPr>
-            <a:picLocks noGrp="1" noChangeAspect="1"/>
+            <a:picLocks noChangeAspect="1"/>
           </p:cNvPicPr>
-          <p:nvPr>
-            <p:ph idx="1"/>
-          </p:nvPr>
+          <p:nvPr/>
         </p:nvPicPr>
         <p:blipFill>
-          <a:blip r:embed="rId2" cstate="print"/>
+          <a:blip r:embed="rId2">
+            <a:extLst>
+              <a:ext uri="{28A0092B-C50C-407E-A947-70E740481C1C}">
+                <a14:useLocalDpi xmlns:a14="http://schemas.microsoft.com/office/drawing/2010/main" val="0"/>
+              </a:ext>
+            </a:extLst>
+          </a:blip>
           <a:stretch>
             <a:fillRect/>
           </a:stretch>
         </p:blipFill>
         <p:spPr>
           <a:xfrm>
-            <a:off x="1554691" y="1600200"/>
-            <a:ext cx="6034617" cy="4525963"/>
+            <a:off x="2004654" y="1676400"/>
+            <a:ext cx="5134692" cy="2276793"/>
           </a:xfrm>
+          <a:prstGeom prst="rect">
+            <a:avLst/>
+          </a:prstGeom>
         </p:spPr>
       </p:pic>
+      <p:sp>
+        <p:nvSpPr>
+          <p:cNvPr id="4" name="Title 1">
+            <a:extLst>
+              <a:ext uri="{FF2B5EF4-FFF2-40B4-BE49-F238E27FC236}">
+                <a16:creationId xmlns:a16="http://schemas.microsoft.com/office/drawing/2014/main" id="{D4C9DC55-52FD-403F-BF9B-296BA3D3A39F}"/>
+              </a:ext>
+            </a:extLst>
+          </p:cNvPr>
+          <p:cNvSpPr txBox="1">
+            <a:spLocks/>
+          </p:cNvSpPr>
+          <p:nvPr/>
+        </p:nvSpPr>
+        <p:spPr>
+          <a:xfrm>
+            <a:off x="457200" y="274638"/>
+            <a:ext cx="8229600" cy="1143000"/>
+          </a:xfrm>
+          <a:prstGeom prst="rect">
+            <a:avLst/>
+          </a:prstGeom>
+        </p:spPr>
+        <p:txBody>
+          <a:bodyPr/>
+          <a:lstStyle>
+            <a:lvl1pPr algn="ctr" defTabSz="914400" rtl="0" eaLnBrk="1" latinLnBrk="0" hangingPunct="1">
+              <a:spcBef>
+                <a:spcPct val="0"/>
+              </a:spcBef>
+              <a:buNone/>
+              <a:defRPr sz="4400" kern="1200">
+                <a:solidFill>
+                  <a:schemeClr val="tx1"/>
+                </a:solidFill>
+                <a:latin typeface="+mj-lt"/>
+                <a:ea typeface="+mj-ea"/>
+                <a:cs typeface="+mj-cs"/>
+              </a:defRPr>
+            </a:lvl1pPr>
+          </a:lstStyle>
+          <a:p>
+            <a:r>
+              <a:rPr lang="en-US"/>
+              <a:t>Micrometer</a:t>
+            </a:r>
+            <a:endParaRPr lang="en-US" dirty="0"/>
+          </a:p>
+        </p:txBody>
+      </p:sp>
+      <mc:AlternateContent xmlns:mc="http://schemas.openxmlformats.org/markup-compatibility/2006">
+        <mc:Choice xmlns:a14="http://schemas.microsoft.com/office/drawing/2010/main" Requires="a14">
+          <p:sp>
+            <p:nvSpPr>
+              <p:cNvPr id="5" name="TextBox 4">
+                <a:extLst>
+                  <a:ext uri="{FF2B5EF4-FFF2-40B4-BE49-F238E27FC236}">
+                    <a16:creationId xmlns:a16="http://schemas.microsoft.com/office/drawing/2014/main" id="{38F00FB6-9411-4B0C-832B-E4921E0F76BD}"/>
+                  </a:ext>
+                </a:extLst>
+              </p:cNvPr>
+              <p:cNvSpPr txBox="1"/>
+              <p:nvPr/>
+            </p:nvSpPr>
+            <p:spPr>
+              <a:xfrm>
+                <a:off x="2971800" y="4211955"/>
+                <a:ext cx="990600" cy="1107996"/>
+              </a:xfrm>
+              <a:prstGeom prst="rect">
+                <a:avLst/>
+              </a:prstGeom>
+              <a:noFill/>
+            </p:spPr>
+            <p:txBody>
+              <a:bodyPr wrap="square" lIns="0" tIns="0" rIns="0" bIns="0" rtlCol="0">
+                <a:spAutoFit/>
+              </a:bodyPr>
+              <a:lstStyle/>
+              <a:p>
+                <a:pPr algn="r"/>
+                <a:r>
+                  <a:rPr lang="en-US" b="0" dirty="0"/>
+                  <a:t> </a:t>
+                </a:r>
+                <a14:m>
+                  <m:oMath xmlns:m="http://schemas.openxmlformats.org/officeDocument/2006/math">
+                    <m:r>
+                      <a:rPr lang="en-US" b="0" i="1" smtClean="0">
+                        <a:latin typeface="Cambria Math" panose="02040503050406030204" pitchFamily="18" charset="0"/>
+                      </a:rPr>
+                      <m:t>0.2“</m:t>
+                    </m:r>
+                  </m:oMath>
+                </a14:m>
+                <a:endParaRPr lang="en-US" b="0" dirty="0"/>
+              </a:p>
+              <a:p>
+                <a:pPr algn="r"/>
+                <a:r>
+                  <a:rPr lang="en-US" dirty="0"/>
+                  <a:t> </a:t>
+                </a:r>
+                <a14:m>
+                  <m:oMath xmlns:m="http://schemas.openxmlformats.org/officeDocument/2006/math">
+                    <m:r>
+                      <a:rPr lang="en-US" i="1" dirty="0" smtClean="0">
+                        <a:latin typeface="Cambria Math" panose="02040503050406030204" pitchFamily="18" charset="0"/>
+                      </a:rPr>
+                      <m:t>+ 0.025”</m:t>
+                    </m:r>
+                  </m:oMath>
+                </a14:m>
+                <a:endParaRPr lang="en-US" dirty="0"/>
+              </a:p>
+              <a:p>
+                <a:pPr algn="r"/>
+                <a:r>
+                  <a:rPr lang="en-US" u="sng" dirty="0"/>
+                  <a:t> </a:t>
+                </a:r>
+                <a14:m>
+                  <m:oMath xmlns:m="http://schemas.openxmlformats.org/officeDocument/2006/math">
+                    <m:r>
+                      <a:rPr lang="en-US" i="1" u="sng" dirty="0" smtClean="0">
+                        <a:latin typeface="Cambria Math" panose="02040503050406030204" pitchFamily="18" charset="0"/>
+                      </a:rPr>
+                      <m:t>+</m:t>
+                    </m:r>
+                    <m:r>
+                      <a:rPr lang="en-US" i="1" u="sng" dirty="0">
+                        <a:latin typeface="Cambria Math" panose="02040503050406030204" pitchFamily="18" charset="0"/>
+                      </a:rPr>
+                      <m:t> </m:t>
+                    </m:r>
+                    <m:r>
+                      <a:rPr lang="en-US" i="1" u="sng" dirty="0" smtClean="0">
+                        <a:latin typeface="Cambria Math" panose="02040503050406030204" pitchFamily="18" charset="0"/>
+                      </a:rPr>
+                      <m:t>0.001”</m:t>
+                    </m:r>
+                  </m:oMath>
+                </a14:m>
+                <a:endParaRPr lang="en-US" u="sng" dirty="0"/>
+              </a:p>
+              <a:p>
+                <a:pPr algn="r"/>
+                <a:r>
+                  <a:rPr lang="en-US" dirty="0"/>
+                  <a:t> </a:t>
+                </a:r>
+                <a14:m>
+                  <m:oMath xmlns:m="http://schemas.openxmlformats.org/officeDocument/2006/math">
+                    <m:r>
+                      <a:rPr lang="en-US" i="1" dirty="0" smtClean="0">
+                        <a:latin typeface="Cambria Math" panose="02040503050406030204" pitchFamily="18" charset="0"/>
+                      </a:rPr>
+                      <m:t>0.226”</m:t>
+                    </m:r>
+                  </m:oMath>
+                </a14:m>
+                <a:endParaRPr lang="en-US" dirty="0"/>
+              </a:p>
+            </p:txBody>
+          </p:sp>
+        </mc:Choice>
+        <mc:Fallback>
+          <p:sp>
+            <p:nvSpPr>
+              <p:cNvPr id="5" name="TextBox 4">
+                <a:extLst>
+                  <a:ext uri="{FF2B5EF4-FFF2-40B4-BE49-F238E27FC236}">
+                    <a16:creationId xmlns:a16="http://schemas.microsoft.com/office/drawing/2014/main" id="{38F00FB6-9411-4B0C-832B-E4921E0F76BD}"/>
+                  </a:ext>
+                </a:extLst>
+              </p:cNvPr>
+              <p:cNvSpPr txBox="1">
+                <a:spLocks noRot="1" noChangeAspect="1" noMove="1" noResize="1" noEditPoints="1" noAdjustHandles="1" noChangeArrowheads="1" noChangeShapeType="1" noTextEdit="1"/>
+              </p:cNvSpPr>
+              <p:nvPr/>
+            </p:nvSpPr>
+            <p:spPr>
+              <a:xfrm>
+                <a:off x="2971800" y="4211955"/>
+                <a:ext cx="990600" cy="1107996"/>
+              </a:xfrm>
+              <a:prstGeom prst="rect">
+                <a:avLst/>
+              </a:prstGeom>
+              <a:blipFill>
+                <a:blip r:embed="rId3"/>
+                <a:stretch>
+                  <a:fillRect r="-9259" b="-1099"/>
+                </a:stretch>
+              </a:blipFill>
+            </p:spPr>
+            <p:txBody>
+              <a:bodyPr/>
+              <a:lstStyle/>
+              <a:p>
+                <a:r>
+                  <a:rPr lang="en-US">
+                    <a:noFill/>
+                  </a:rPr>
+                  <a:t> </a:t>
+                </a:r>
+              </a:p>
+            </p:txBody>
+          </p:sp>
+        </mc:Fallback>
+      </mc:AlternateContent>
+      <mc:AlternateContent xmlns:mc="http://schemas.openxmlformats.org/markup-compatibility/2006">
+        <mc:Choice xmlns:a14="http://schemas.microsoft.com/office/drawing/2010/main" Requires="a14">
+          <p:sp>
+            <p:nvSpPr>
+              <p:cNvPr id="6" name="TextBox 5">
+                <a:extLst>
+                  <a:ext uri="{FF2B5EF4-FFF2-40B4-BE49-F238E27FC236}">
+                    <a16:creationId xmlns:a16="http://schemas.microsoft.com/office/drawing/2014/main" id="{9BFFB961-6609-4850-8140-1E321AE4B0D7}"/>
+                  </a:ext>
+                </a:extLst>
+              </p:cNvPr>
+              <p:cNvSpPr txBox="1"/>
+              <p:nvPr/>
+            </p:nvSpPr>
+            <p:spPr>
+              <a:xfrm>
+                <a:off x="5105400" y="4211955"/>
+                <a:ext cx="1447800" cy="1384995"/>
+              </a:xfrm>
+              <a:prstGeom prst="rect">
+                <a:avLst/>
+              </a:prstGeom>
+              <a:noFill/>
+            </p:spPr>
+            <p:txBody>
+              <a:bodyPr wrap="square" lIns="0" tIns="0" rIns="0" bIns="0" rtlCol="0">
+                <a:spAutoFit/>
+              </a:bodyPr>
+              <a:lstStyle/>
+              <a:p>
+                <a:pPr algn="r"/>
+                <a:r>
+                  <a:rPr lang="en-US" b="0" dirty="0"/>
+                  <a:t> </a:t>
+                </a:r>
+                <a14:m>
+                  <m:oMath xmlns:m="http://schemas.openxmlformats.org/officeDocument/2006/math">
+                    <m:r>
+                      <a:rPr lang="en-US" b="0" i="1" smtClean="0">
+                        <a:latin typeface="Cambria Math" panose="02040503050406030204" pitchFamily="18" charset="0"/>
+                      </a:rPr>
+                      <m:t>0.2“</m:t>
+                    </m:r>
+                  </m:oMath>
+                </a14:m>
+                <a:endParaRPr lang="en-US" b="0" dirty="0"/>
+              </a:p>
+              <a:p>
+                <a:pPr algn="r"/>
+                <a:r>
+                  <a:rPr lang="en-US" dirty="0"/>
+                  <a:t> </a:t>
+                </a:r>
+                <a14:m>
+                  <m:oMath xmlns:m="http://schemas.openxmlformats.org/officeDocument/2006/math">
+                    <m:r>
+                      <a:rPr lang="en-US" i="1" dirty="0" smtClean="0">
+                        <a:latin typeface="Cambria Math" panose="02040503050406030204" pitchFamily="18" charset="0"/>
+                      </a:rPr>
+                      <m:t>+ 0.025”</m:t>
+                    </m:r>
+                  </m:oMath>
+                </a14:m>
+                <a:endParaRPr lang="en-US" dirty="0"/>
+              </a:p>
+              <a:p>
+                <a:pPr algn="r"/>
+                <a:r>
+                  <a:rPr lang="en-US" b="0" dirty="0"/>
+                  <a:t> </a:t>
+                </a:r>
+                <a14:m>
+                  <m:oMath xmlns:m="http://schemas.openxmlformats.org/officeDocument/2006/math">
+                    <m:r>
+                      <a:rPr lang="en-US" b="0" i="1" smtClean="0">
+                        <a:latin typeface="Cambria Math" panose="02040503050406030204" pitchFamily="18" charset="0"/>
+                      </a:rPr>
+                      <m:t>+ 0.001"</m:t>
+                    </m:r>
+                  </m:oMath>
+                </a14:m>
+                <a:endParaRPr lang="en-US" dirty="0"/>
+              </a:p>
+              <a:p>
+                <a:pPr algn="r"/>
+                <a:r>
+                  <a:rPr lang="en-US" u="sng" dirty="0"/>
+                  <a:t> </a:t>
+                </a:r>
+                <a14:m>
+                  <m:oMath xmlns:m="http://schemas.openxmlformats.org/officeDocument/2006/math">
+                    <m:r>
+                      <a:rPr lang="en-US" i="1" u="sng" dirty="0" smtClean="0">
+                        <a:latin typeface="Cambria Math" panose="02040503050406030204" pitchFamily="18" charset="0"/>
+                      </a:rPr>
+                      <m:t>+</m:t>
+                    </m:r>
+                    <m:r>
+                      <a:rPr lang="en-US" i="1" u="sng" dirty="0">
+                        <a:latin typeface="Cambria Math" panose="02040503050406030204" pitchFamily="18" charset="0"/>
+                      </a:rPr>
+                      <m:t> </m:t>
+                    </m:r>
+                    <m:r>
+                      <a:rPr lang="en-US" i="1" u="sng" dirty="0" smtClean="0">
+                        <a:latin typeface="Cambria Math" panose="02040503050406030204" pitchFamily="18" charset="0"/>
+                      </a:rPr>
+                      <m:t>0.00</m:t>
+                    </m:r>
+                    <m:r>
+                      <a:rPr lang="en-US" b="0" i="1" u="sng" dirty="0" smtClean="0">
+                        <a:latin typeface="Cambria Math" panose="02040503050406030204" pitchFamily="18" charset="0"/>
+                      </a:rPr>
+                      <m:t>02</m:t>
+                    </m:r>
+                    <m:r>
+                      <a:rPr lang="en-US" i="1" u="sng" dirty="0" smtClean="0">
+                        <a:latin typeface="Cambria Math" panose="02040503050406030204" pitchFamily="18" charset="0"/>
+                      </a:rPr>
+                      <m:t>”</m:t>
+                    </m:r>
+                  </m:oMath>
+                </a14:m>
+                <a:endParaRPr lang="en-US" u="sng" dirty="0"/>
+              </a:p>
+              <a:p>
+                <a:pPr algn="r"/>
+                <a:r>
+                  <a:rPr lang="en-US" dirty="0"/>
+                  <a:t> </a:t>
+                </a:r>
+                <a14:m>
+                  <m:oMath xmlns:m="http://schemas.openxmlformats.org/officeDocument/2006/math">
+                    <m:r>
+                      <a:rPr lang="en-US" i="1" dirty="0" smtClean="0">
+                        <a:latin typeface="Cambria Math" panose="02040503050406030204" pitchFamily="18" charset="0"/>
+                      </a:rPr>
+                      <m:t>0.226</m:t>
+                    </m:r>
+                    <m:r>
+                      <a:rPr lang="en-US" b="0" i="1" dirty="0" smtClean="0">
+                        <a:latin typeface="Cambria Math" panose="02040503050406030204" pitchFamily="18" charset="0"/>
+                      </a:rPr>
+                      <m:t>2</m:t>
+                    </m:r>
+                    <m:r>
+                      <a:rPr lang="en-US" i="1" dirty="0" smtClean="0">
+                        <a:latin typeface="Cambria Math" panose="02040503050406030204" pitchFamily="18" charset="0"/>
+                      </a:rPr>
+                      <m:t>”</m:t>
+                    </m:r>
+                  </m:oMath>
+                </a14:m>
+                <a:endParaRPr lang="en-US" dirty="0"/>
+              </a:p>
+            </p:txBody>
+          </p:sp>
+        </mc:Choice>
+        <mc:Fallback>
+          <p:sp>
+            <p:nvSpPr>
+              <p:cNvPr id="6" name="TextBox 5">
+                <a:extLst>
+                  <a:ext uri="{FF2B5EF4-FFF2-40B4-BE49-F238E27FC236}">
+                    <a16:creationId xmlns:a16="http://schemas.microsoft.com/office/drawing/2014/main" id="{9BFFB961-6609-4850-8140-1E321AE4B0D7}"/>
+                  </a:ext>
+                </a:extLst>
+              </p:cNvPr>
+              <p:cNvSpPr txBox="1">
+                <a:spLocks noRot="1" noChangeAspect="1" noMove="1" noResize="1" noEditPoints="1" noAdjustHandles="1" noChangeArrowheads="1" noChangeShapeType="1" noTextEdit="1"/>
+              </p:cNvSpPr>
+              <p:nvPr/>
+            </p:nvSpPr>
+            <p:spPr>
+              <a:xfrm>
+                <a:off x="5105400" y="4211955"/>
+                <a:ext cx="1447800" cy="1384995"/>
+              </a:xfrm>
+              <a:prstGeom prst="rect">
+                <a:avLst/>
+              </a:prstGeom>
+              <a:blipFill>
+                <a:blip r:embed="rId4"/>
+                <a:stretch>
+                  <a:fillRect r="-6329" b="-881"/>
+                </a:stretch>
+              </a:blipFill>
+            </p:spPr>
+            <p:txBody>
+              <a:bodyPr/>
+              <a:lstStyle/>
+              <a:p>
+                <a:r>
+                  <a:rPr lang="en-US">
+                    <a:noFill/>
+                  </a:rPr>
+                  <a:t> </a:t>
+                </a:r>
+              </a:p>
+            </p:txBody>
+          </p:sp>
+        </mc:Fallback>
+      </mc:AlternateContent>
     </p:spTree>
+    <p:extLst>
+      <p:ext uri="{BB962C8B-B14F-4D97-AF65-F5344CB8AC3E}">
+        <p14:creationId xmlns:p14="http://schemas.microsoft.com/office/powerpoint/2010/main" val="1110898306"/>
+      </p:ext>
+    </p:extLst>
   </p:cSld>
   <p:clrMapOvr>
     <a:masterClrMapping/>
@@ -4673,14 +5098,14 @@
           <a:p>
             <a:r>
               <a:rPr lang="en-US" dirty="0"/>
-              <a:t>Optical Comparator</a:t>
+              <a:t>Toolmaker’s Microscope</a:t>
             </a:r>
           </a:p>
         </p:txBody>
       </p:sp>
       <p:pic>
         <p:nvPicPr>
-          <p:cNvPr id="4" name="Content Placeholder 3" descr="Fig 10-23 Optical Comparator.jpg"/>
+          <p:cNvPr id="4" name="Content Placeholder 3" descr="Fig 10-22 Toolmakers microscope.jpg"/>
           <p:cNvPicPr>
             <a:picLocks noGrp="1" noChangeAspect="1"/>
           </p:cNvPicPr>
@@ -4710,6 +5135,76 @@
 </file>
 
 <file path=ppt/slides/slide21.xml><?xml version="1.0" encoding="utf-8"?>
+<p:sld xmlns:a="http://schemas.openxmlformats.org/drawingml/2006/main" xmlns:r="http://schemas.openxmlformats.org/officeDocument/2006/relationships" xmlns:p="http://schemas.openxmlformats.org/presentationml/2006/main">
+  <p:cSld>
+    <p:spTree>
+      <p:nvGrpSpPr>
+        <p:cNvPr id="1" name=""/>
+        <p:cNvGrpSpPr/>
+        <p:nvPr/>
+      </p:nvGrpSpPr>
+      <p:grpSpPr>
+        <a:xfrm>
+          <a:off x="0" y="0"/>
+          <a:ext cx="0" cy="0"/>
+          <a:chOff x="0" y="0"/>
+          <a:chExt cx="0" cy="0"/>
+        </a:xfrm>
+      </p:grpSpPr>
+      <p:sp>
+        <p:nvSpPr>
+          <p:cNvPr id="2" name="Title 1"/>
+          <p:cNvSpPr>
+            <a:spLocks noGrp="1"/>
+          </p:cNvSpPr>
+          <p:nvPr>
+            <p:ph type="title"/>
+          </p:nvPr>
+        </p:nvSpPr>
+        <p:spPr/>
+        <p:txBody>
+          <a:bodyPr/>
+          <a:lstStyle/>
+          <a:p>
+            <a:r>
+              <a:rPr lang="en-US" dirty="0"/>
+              <a:t>Optical Comparator</a:t>
+            </a:r>
+          </a:p>
+        </p:txBody>
+      </p:sp>
+      <p:pic>
+        <p:nvPicPr>
+          <p:cNvPr id="4" name="Content Placeholder 3" descr="Fig 10-23 Optical Comparator.jpg"/>
+          <p:cNvPicPr>
+            <a:picLocks noGrp="1" noChangeAspect="1"/>
+          </p:cNvPicPr>
+          <p:nvPr>
+            <p:ph idx="1"/>
+          </p:nvPr>
+        </p:nvPicPr>
+        <p:blipFill>
+          <a:blip r:embed="rId2" cstate="print"/>
+          <a:stretch>
+            <a:fillRect/>
+          </a:stretch>
+        </p:blipFill>
+        <p:spPr>
+          <a:xfrm>
+            <a:off x="1554691" y="1600200"/>
+            <a:ext cx="6034617" cy="4525963"/>
+          </a:xfrm>
+        </p:spPr>
+      </p:pic>
+    </p:spTree>
+  </p:cSld>
+  <p:clrMapOvr>
+    <a:masterClrMapping/>
+  </p:clrMapOvr>
+</p:sld>
+</file>
+
+<file path=ppt/slides/slide22.xml><?xml version="1.0" encoding="utf-8"?>
 <p:sld xmlns:a="http://schemas.openxmlformats.org/drawingml/2006/main" xmlns:r="http://schemas.openxmlformats.org/officeDocument/2006/relationships" xmlns:p="http://schemas.openxmlformats.org/presentationml/2006/main">
   <p:cSld>
     <p:spTree>
@@ -4814,76 +5309,6 @@
 </p:sld>
 </file>
 
-<file path=ppt/slides/slide22.xml><?xml version="1.0" encoding="utf-8"?>
-<p:sld xmlns:a="http://schemas.openxmlformats.org/drawingml/2006/main" xmlns:r="http://schemas.openxmlformats.org/officeDocument/2006/relationships" xmlns:p="http://schemas.openxmlformats.org/presentationml/2006/main">
-  <p:cSld>
-    <p:spTree>
-      <p:nvGrpSpPr>
-        <p:cNvPr id="1" name=""/>
-        <p:cNvGrpSpPr/>
-        <p:nvPr/>
-      </p:nvGrpSpPr>
-      <p:grpSpPr>
-        <a:xfrm>
-          <a:off x="0" y="0"/>
-          <a:ext cx="0" cy="0"/>
-          <a:chOff x="0" y="0"/>
-          <a:chExt cx="0" cy="0"/>
-        </a:xfrm>
-      </p:grpSpPr>
-      <p:sp>
-        <p:nvSpPr>
-          <p:cNvPr id="2" name="Title 1"/>
-          <p:cNvSpPr>
-            <a:spLocks noGrp="1"/>
-          </p:cNvSpPr>
-          <p:nvPr>
-            <p:ph type="title"/>
-          </p:nvPr>
-        </p:nvSpPr>
-        <p:spPr/>
-        <p:txBody>
-          <a:bodyPr/>
-          <a:lstStyle/>
-          <a:p>
-            <a:r>
-              <a:rPr lang="en-US" dirty="0"/>
-              <a:t>Interferometry</a:t>
-            </a:r>
-          </a:p>
-        </p:txBody>
-      </p:sp>
-      <p:pic>
-        <p:nvPicPr>
-          <p:cNvPr id="4" name="Content Placeholder 3" descr="Fig 10-24 Interference bands.jpg"/>
-          <p:cNvPicPr>
-            <a:picLocks noGrp="1" noChangeAspect="1"/>
-          </p:cNvPicPr>
-          <p:nvPr>
-            <p:ph idx="1"/>
-          </p:nvPr>
-        </p:nvPicPr>
-        <p:blipFill>
-          <a:blip r:embed="rId2" cstate="print"/>
-          <a:stretch>
-            <a:fillRect/>
-          </a:stretch>
-        </p:blipFill>
-        <p:spPr>
-          <a:xfrm>
-            <a:off x="1554691" y="1600200"/>
-            <a:ext cx="6034617" cy="4525963"/>
-          </a:xfrm>
-        </p:spPr>
-      </p:pic>
-    </p:spTree>
-  </p:cSld>
-  <p:clrMapOvr>
-    <a:masterClrMapping/>
-  </p:clrMapOvr>
-</p:sld>
-</file>
-
 <file path=ppt/slides/slide23.xml><?xml version="1.0" encoding="utf-8"?>
 <p:sld xmlns:a="http://schemas.openxmlformats.org/drawingml/2006/main" xmlns:r="http://schemas.openxmlformats.org/officeDocument/2006/relationships" xmlns:p="http://schemas.openxmlformats.org/presentationml/2006/main">
   <p:cSld>
@@ -4918,14 +5343,14 @@
           <a:p>
             <a:r>
               <a:rPr lang="en-US" dirty="0"/>
-              <a:t>Bevel Protractor</a:t>
+              <a:t>Interferometry</a:t>
             </a:r>
           </a:p>
         </p:txBody>
       </p:sp>
       <p:pic>
         <p:nvPicPr>
-          <p:cNvPr id="4" name="Content Placeholder 3" descr="Fig 10-32 Bevel protractor.jpg"/>
+          <p:cNvPr id="4" name="Content Placeholder 3" descr="Fig 10-24 Interference bands.jpg"/>
           <p:cNvPicPr>
             <a:picLocks noGrp="1" noChangeAspect="1"/>
           </p:cNvPicPr>
@@ -4935,15 +5360,14 @@
         </p:nvPicPr>
         <p:blipFill>
           <a:blip r:embed="rId2" cstate="print"/>
-          <a:srcRect t="8186" r="591"/>
           <a:stretch>
             <a:fillRect/>
           </a:stretch>
         </p:blipFill>
         <p:spPr>
           <a:xfrm>
-            <a:off x="1066800" y="1905000"/>
-            <a:ext cx="7205663" cy="3463131"/>
+            <a:off x="1554691" y="1600200"/>
+            <a:ext cx="6034617" cy="4525963"/>
           </a:xfrm>
         </p:spPr>
       </p:pic>
@@ -4989,14 +5413,14 @@
           <a:p>
             <a:r>
               <a:rPr lang="en-US" dirty="0"/>
-              <a:t>Sine Bar</a:t>
+              <a:t>Bevel Protractor</a:t>
             </a:r>
           </a:p>
         </p:txBody>
       </p:sp>
       <p:pic>
         <p:nvPicPr>
-          <p:cNvPr id="4" name="Content Placeholder 3" descr="Fig 10-33 Sine bar.jpg"/>
+          <p:cNvPr id="4" name="Content Placeholder 3" descr="Fig 10-32 Bevel protractor.jpg"/>
           <p:cNvPicPr>
             <a:picLocks noGrp="1" noChangeAspect="1"/>
           </p:cNvPicPr>
@@ -5006,15 +5430,15 @@
         </p:nvPicPr>
         <p:blipFill>
           <a:blip r:embed="rId2" cstate="print"/>
-          <a:srcRect l="754" t="23571" b="24237"/>
+          <a:srcRect t="8186" r="591"/>
           <a:stretch>
             <a:fillRect/>
           </a:stretch>
         </p:blipFill>
         <p:spPr>
           <a:xfrm>
-            <a:off x="1676400" y="1905000"/>
-            <a:ext cx="5989108" cy="2362200"/>
+            <a:off x="1066800" y="1905000"/>
+            <a:ext cx="7205663" cy="3463131"/>
           </a:xfrm>
         </p:spPr>
       </p:pic>
@@ -5055,28 +5479,19 @@
         </p:nvSpPr>
         <p:spPr/>
         <p:txBody>
-          <a:bodyPr>
-            <a:normAutofit fontScale="90000"/>
-          </a:bodyPr>
+          <a:bodyPr/>
           <a:lstStyle/>
           <a:p>
             <a:r>
               <a:rPr lang="en-US" dirty="0"/>
-              <a:t>Double-Ended Plug Gage</a:t>
-            </a:r>
-            <a:br>
-              <a:rPr lang="en-US" dirty="0"/>
-            </a:br>
-            <a:r>
-              <a:rPr lang="en-US" dirty="0"/>
-              <a:t>Go/No-Go</a:t>
+              <a:t>Sine Bar</a:t>
             </a:r>
           </a:p>
         </p:txBody>
       </p:sp>
       <p:pic>
         <p:nvPicPr>
-          <p:cNvPr id="4" name="Content Placeholder 3" descr="Fig 10-34 Plug gage double ended.jpg"/>
+          <p:cNvPr id="4" name="Content Placeholder 3" descr="Fig 10-33 Sine bar.jpg"/>
           <p:cNvPicPr>
             <a:picLocks noGrp="1" noChangeAspect="1"/>
           </p:cNvPicPr>
@@ -5086,15 +5501,15 @@
         </p:nvPicPr>
         <p:blipFill>
           <a:blip r:embed="rId2" cstate="print"/>
-          <a:srcRect t="35356" r="1508" b="36023"/>
+          <a:srcRect l="754" t="23571" b="24237"/>
           <a:stretch>
             <a:fillRect/>
           </a:stretch>
         </p:blipFill>
         <p:spPr>
           <a:xfrm>
-            <a:off x="1676400" y="2362200"/>
-            <a:ext cx="5943600" cy="1295400"/>
+            <a:off x="1676400" y="1905000"/>
+            <a:ext cx="5989108" cy="2362200"/>
           </a:xfrm>
         </p:spPr>
       </p:pic>
@@ -5135,19 +5550,28 @@
         </p:nvSpPr>
         <p:spPr/>
         <p:txBody>
-          <a:bodyPr/>
+          <a:bodyPr>
+            <a:normAutofit fontScale="90000"/>
+          </a:bodyPr>
           <a:lstStyle/>
           <a:p>
             <a:r>
               <a:rPr lang="en-US" dirty="0"/>
-              <a:t>Step-type Plug Gage</a:t>
+              <a:t>Double-Ended Plug Gage</a:t>
+            </a:r>
+            <a:br>
+              <a:rPr lang="en-US" dirty="0"/>
+            </a:br>
+            <a:r>
+              <a:rPr lang="en-US" dirty="0"/>
+              <a:t>Go/No-Go</a:t>
             </a:r>
           </a:p>
         </p:txBody>
       </p:sp>
       <p:pic>
         <p:nvPicPr>
-          <p:cNvPr id="4" name="Content Placeholder 3" descr="Fig 10-35 Plug gage step type.jpg"/>
+          <p:cNvPr id="4" name="Content Placeholder 3" descr="Fig 10-34 Plug gage double ended.jpg"/>
           <p:cNvPicPr>
             <a:picLocks noGrp="1" noChangeAspect="1"/>
           </p:cNvPicPr>
@@ -5157,14 +5581,15 @@
         </p:nvPicPr>
         <p:blipFill>
           <a:blip r:embed="rId2" cstate="print"/>
+          <a:srcRect t="35356" r="1508" b="36023"/>
           <a:stretch>
             <a:fillRect/>
           </a:stretch>
         </p:blipFill>
         <p:spPr>
           <a:xfrm>
-            <a:off x="1554691" y="1600200"/>
-            <a:ext cx="6034617" cy="4525963"/>
+            <a:off x="1676400" y="2362200"/>
+            <a:ext cx="5943600" cy="1295400"/>
           </a:xfrm>
         </p:spPr>
       </p:pic>
@@ -5203,42 +5628,21 @@
             <p:ph type="title"/>
           </p:nvPr>
         </p:nvSpPr>
-        <p:spPr>
-          <a:xfrm>
-            <a:off x="457200" y="274638"/>
-            <a:ext cx="8382000" cy="2468562"/>
-          </a:xfrm>
-        </p:spPr>
-        <p:txBody>
-          <a:bodyPr>
-            <a:normAutofit fontScale="90000"/>
-          </a:bodyPr>
+        <p:spPr/>
+        <p:txBody>
+          <a:bodyPr/>
           <a:lstStyle/>
           <a:p>
             <a:r>
               <a:rPr lang="en-US" dirty="0"/>
-              <a:t>Ring Gages</a:t>
-            </a:r>
-            <a:br>
-              <a:rPr lang="en-US" dirty="0"/>
-            </a:br>
-            <a:r>
-              <a:rPr lang="en-US" dirty="0"/>
-              <a:t>No-Go (max) on left, with knurling groove.</a:t>
-            </a:r>
-            <a:br>
-              <a:rPr lang="en-US" dirty="0"/>
-            </a:br>
-            <a:r>
-              <a:rPr lang="en-US" dirty="0"/>
-              <a:t>Go (min)on right, without groove</a:t>
+              <a:t>Step-type Plug Gage</a:t>
             </a:r>
           </a:p>
         </p:txBody>
       </p:sp>
       <p:pic>
         <p:nvPicPr>
-          <p:cNvPr id="4" name="Content Placeholder 3" descr="Fig 10-36 Ring gages.jpg"/>
+          <p:cNvPr id="4" name="Content Placeholder 3" descr="Fig 10-35 Plug gage step type.jpg"/>
           <p:cNvPicPr>
             <a:picLocks noGrp="1" noChangeAspect="1"/>
           </p:cNvPicPr>
@@ -5254,8 +5658,8 @@
         </p:blipFill>
         <p:spPr>
           <a:xfrm>
-            <a:off x="1554691" y="2832763"/>
-            <a:ext cx="5074709" cy="3293400"/>
+            <a:off x="1554691" y="1600200"/>
+            <a:ext cx="6034617" cy="4525963"/>
           </a:xfrm>
         </p:spPr>
       </p:pic>
@@ -5294,21 +5698,42 @@
             <p:ph type="title"/>
           </p:nvPr>
         </p:nvSpPr>
-        <p:spPr/>
-        <p:txBody>
-          <a:bodyPr/>
+        <p:spPr>
+          <a:xfrm>
+            <a:off x="457200" y="274638"/>
+            <a:ext cx="8382000" cy="2468562"/>
+          </a:xfrm>
+        </p:spPr>
+        <p:txBody>
+          <a:bodyPr>
+            <a:normAutofit fontScale="90000"/>
+          </a:bodyPr>
           <a:lstStyle/>
           <a:p>
             <a:r>
               <a:rPr lang="en-US" dirty="0"/>
-              <a:t>Adjustable Snap Gage</a:t>
+              <a:t>Ring Gages</a:t>
+            </a:r>
+            <a:br>
+              <a:rPr lang="en-US" dirty="0"/>
+            </a:br>
+            <a:r>
+              <a:rPr lang="en-US" dirty="0"/>
+              <a:t>No-Go (max) on left, with knurling groove.</a:t>
+            </a:r>
+            <a:br>
+              <a:rPr lang="en-US" dirty="0"/>
+            </a:br>
+            <a:r>
+              <a:rPr lang="en-US" dirty="0"/>
+              <a:t>Go (min)on right, without groove</a:t>
             </a:r>
           </a:p>
         </p:txBody>
       </p:sp>
       <p:pic>
         <p:nvPicPr>
-          <p:cNvPr id="4" name="Content Placeholder 3" descr="Fig 10-37 Snap gage.jpg"/>
+          <p:cNvPr id="4" name="Content Placeholder 3" descr="Fig 10-36 Ring gages.jpg"/>
           <p:cNvPicPr>
             <a:picLocks noGrp="1" noChangeAspect="1"/>
           </p:cNvPicPr>
@@ -5324,8 +5749,8 @@
         </p:blipFill>
         <p:spPr>
           <a:xfrm>
-            <a:off x="1554691" y="1600200"/>
-            <a:ext cx="6034617" cy="4525963"/>
+            <a:off x="1554691" y="2832763"/>
+            <a:ext cx="5074709" cy="3293400"/>
           </a:xfrm>
         </p:spPr>
       </p:pic>
@@ -5371,14 +5796,14 @@
           <a:p>
             <a:r>
               <a:rPr lang="en-US" dirty="0"/>
-              <a:t>Radius Gages</a:t>
+              <a:t>Adjustable Snap Gage</a:t>
             </a:r>
           </a:p>
         </p:txBody>
       </p:sp>
       <p:pic>
         <p:nvPicPr>
-          <p:cNvPr id="4" name="Content Placeholder 3" descr="Fig 10-39 Radius gages.jpg"/>
+          <p:cNvPr id="4" name="Content Placeholder 3" descr="Fig 10-37 Snap gage.jpg"/>
           <p:cNvPicPr>
             <a:picLocks noGrp="1" noChangeAspect="1"/>
           </p:cNvPicPr>
@@ -5388,15 +5813,14 @@
         </p:nvPicPr>
         <p:blipFill>
           <a:blip r:embed="rId2" cstate="print"/>
-          <a:srcRect l="31059" t="1684" r="32322"/>
           <a:stretch>
             <a:fillRect/>
           </a:stretch>
         </p:blipFill>
         <p:spPr>
           <a:xfrm>
-            <a:off x="3429000" y="1676400"/>
-            <a:ext cx="2209800" cy="4449763"/>
+            <a:off x="1554691" y="1600200"/>
+            <a:ext cx="6034617" cy="4525963"/>
           </a:xfrm>
         </p:spPr>
       </p:pic>
@@ -5512,14 +5936,14 @@
           <a:p>
             <a:r>
               <a:rPr lang="en-US" dirty="0"/>
-              <a:t>Thread Pitch Gages</a:t>
+              <a:t>Radius Gages</a:t>
             </a:r>
           </a:p>
         </p:txBody>
       </p:sp>
       <p:pic>
         <p:nvPicPr>
-          <p:cNvPr id="4" name="Content Placeholder 3" descr="Fig 10-40 Thread pitch gages.jpg"/>
+          <p:cNvPr id="4" name="Content Placeholder 3" descr="Fig 10-39 Radius gages.jpg"/>
           <p:cNvPicPr>
             <a:picLocks noGrp="1" noChangeAspect="1"/>
           </p:cNvPicPr>
@@ -5529,14 +5953,15 @@
         </p:nvPicPr>
         <p:blipFill>
           <a:blip r:embed="rId2" cstate="print"/>
+          <a:srcRect l="31059" t="1684" r="32322"/>
           <a:stretch>
             <a:fillRect/>
           </a:stretch>
         </p:blipFill>
         <p:spPr>
           <a:xfrm>
-            <a:off x="1554691" y="1600200"/>
-            <a:ext cx="6034617" cy="4525963"/>
+            <a:off x="3429000" y="1676400"/>
+            <a:ext cx="2209800" cy="4449763"/>
           </a:xfrm>
         </p:spPr>
       </p:pic>
@@ -5582,14 +6007,14 @@
           <a:p>
             <a:r>
               <a:rPr lang="en-US" dirty="0"/>
-              <a:t>Magnetic Particle Inspection</a:t>
+              <a:t>Thread Pitch Gages</a:t>
             </a:r>
           </a:p>
         </p:txBody>
       </p:sp>
       <p:pic>
         <p:nvPicPr>
-          <p:cNvPr id="6" name="Content Placeholder 5" descr="Fig 10-43 Magnetic particle inspection.jpg"/>
+          <p:cNvPr id="4" name="Content Placeholder 3" descr="Fig 10-40 Thread pitch gages.jpg"/>
           <p:cNvPicPr>
             <a:picLocks noGrp="1" noChangeAspect="1"/>
           </p:cNvPicPr>
@@ -5599,15 +6024,14 @@
         </p:nvPicPr>
         <p:blipFill>
           <a:blip r:embed="rId2" cstate="print"/>
-          <a:srcRect l="-509" t="33672" r="754" b="29288"/>
           <a:stretch>
             <a:fillRect/>
           </a:stretch>
         </p:blipFill>
         <p:spPr>
           <a:xfrm>
-            <a:off x="1371600" y="1676400"/>
-            <a:ext cx="6019800" cy="1676400"/>
+            <a:off x="1554691" y="1600200"/>
+            <a:ext cx="6034617" cy="4525963"/>
           </a:xfrm>
         </p:spPr>
       </p:pic>
@@ -5653,6 +6077,77 @@
           <a:p>
             <a:r>
               <a:rPr lang="en-US" dirty="0"/>
+              <a:t>Magnetic Particle Inspection</a:t>
+            </a:r>
+          </a:p>
+        </p:txBody>
+      </p:sp>
+      <p:pic>
+        <p:nvPicPr>
+          <p:cNvPr id="6" name="Content Placeholder 5" descr="Fig 10-43 Magnetic particle inspection.jpg"/>
+          <p:cNvPicPr>
+            <a:picLocks noGrp="1" noChangeAspect="1"/>
+          </p:cNvPicPr>
+          <p:nvPr>
+            <p:ph idx="1"/>
+          </p:nvPr>
+        </p:nvPicPr>
+        <p:blipFill>
+          <a:blip r:embed="rId2" cstate="print"/>
+          <a:srcRect l="-509" t="33672" r="754" b="29288"/>
+          <a:stretch>
+            <a:fillRect/>
+          </a:stretch>
+        </p:blipFill>
+        <p:spPr>
+          <a:xfrm>
+            <a:off x="1371600" y="1676400"/>
+            <a:ext cx="6019800" cy="1676400"/>
+          </a:xfrm>
+        </p:spPr>
+      </p:pic>
+    </p:spTree>
+  </p:cSld>
+  <p:clrMapOvr>
+    <a:masterClrMapping/>
+  </p:clrMapOvr>
+</p:sld>
+</file>
+
+<file path=ppt/slides/slide33.xml><?xml version="1.0" encoding="utf-8"?>
+<p:sld xmlns:a="http://schemas.openxmlformats.org/drawingml/2006/main" xmlns:r="http://schemas.openxmlformats.org/officeDocument/2006/relationships" xmlns:p="http://schemas.openxmlformats.org/presentationml/2006/main">
+  <p:cSld>
+    <p:spTree>
+      <p:nvGrpSpPr>
+        <p:cNvPr id="1" name=""/>
+        <p:cNvGrpSpPr/>
+        <p:nvPr/>
+      </p:nvGrpSpPr>
+      <p:grpSpPr>
+        <a:xfrm>
+          <a:off x="0" y="0"/>
+          <a:ext cx="0" cy="0"/>
+          <a:chOff x="0" y="0"/>
+          <a:chExt cx="0" cy="0"/>
+        </a:xfrm>
+      </p:grpSpPr>
+      <p:sp>
+        <p:nvSpPr>
+          <p:cNvPr id="2" name="Title 1"/>
+          <p:cNvSpPr>
+            <a:spLocks noGrp="1"/>
+          </p:cNvSpPr>
+          <p:nvPr>
+            <p:ph type="title"/>
+          </p:nvPr>
+        </p:nvSpPr>
+        <p:spPr/>
+        <p:txBody>
+          <a:bodyPr/>
+          <a:lstStyle/>
+          <a:p>
+            <a:r>
+              <a:rPr lang="en-US" dirty="0"/>
               <a:t>Ultrasonic Inspection</a:t>
             </a:r>
           </a:p>
@@ -5690,7 +6185,7 @@
 </p:sld>
 </file>
 
-<file path=ppt/slides/slide33.xml><?xml version="1.0" encoding="utf-8"?>
+<file path=ppt/slides/slide34.xml><?xml version="1.0" encoding="utf-8"?>
 <p:sld xmlns:a="http://schemas.openxmlformats.org/drawingml/2006/main" xmlns:r="http://schemas.openxmlformats.org/officeDocument/2006/relationships" xmlns:p="http://schemas.openxmlformats.org/presentationml/2006/main">
   <p:cSld>
     <p:spTree>
